--- a/1217進捗 (numa).pptx
+++ b/1217進捗 (numa).pptx
@@ -5,7 +5,7 @@
     <p:sldMasterId id="2147483648" r:id="rId1"/>
   </p:sldMasterIdLst>
   <p:notesMasterIdLst>
-    <p:notesMasterId r:id="rId8"/>
+    <p:notesMasterId r:id="rId11"/>
   </p:notesMasterIdLst>
   <p:sldIdLst>
     <p:sldId id="256" r:id="rId2"/>
@@ -13,7 +13,10 @@
     <p:sldId id="258" r:id="rId4"/>
     <p:sldId id="259" r:id="rId5"/>
     <p:sldId id="260" r:id="rId6"/>
-    <p:sldId id="261" r:id="rId7"/>
+    <p:sldId id="262" r:id="rId7"/>
+    <p:sldId id="264" r:id="rId8"/>
+    <p:sldId id="263" r:id="rId9"/>
+    <p:sldId id="261" r:id="rId10"/>
   </p:sldIdLst>
   <p:sldSz cx="9144000" cy="6858000" type="screen4x3"/>
   <p:notesSz cx="6858000" cy="9144000"/>
@@ -122,6 +125,9 @@
             <p14:sldId id="258"/>
             <p14:sldId id="259"/>
             <p14:sldId id="260"/>
+            <p14:sldId id="262"/>
+            <p14:sldId id="264"/>
+            <p14:sldId id="263"/>
             <p14:sldId id="261"/>
           </p14:sldIdLst>
         </p14:section>
@@ -3901,6 +3907,10 @@
               <a:rPr lang="ja-JP" altLang="en-US"/>
               <a:t>したネットワーク</a:t>
             </a:r>
+            <a:r>
+              <a:rPr lang="en-US" altLang="ja-JP" dirty="0"/>
+              <a:t/>
+            </a:r>
             <a:br>
               <a:rPr lang="en-US" altLang="ja-JP" dirty="0"/>
             </a:br>
@@ -3952,6 +3962,13 @@
   <p:clrMapOvr>
     <a:masterClrMapping/>
   </p:clrMapOvr>
+  <p:timing>
+    <p:tnLst>
+      <p:par>
+        <p:cTn id="1" dur="indefinite" restart="never" nodeType="tmRoot"/>
+      </p:par>
+    </p:tnLst>
+  </p:timing>
 </p:sld>
 </file>
 
@@ -3977,7 +3994,7 @@
           <p:cNvPr id="2" name="タイトル 1">
             <a:extLst>
               <a:ext uri="{FF2B5EF4-FFF2-40B4-BE49-F238E27FC236}">
-                <a16:creationId xmlns:a16="http://schemas.microsoft.com/office/drawing/2014/main" id="{183CE2B7-1204-AF43-9826-9680A3AA36F4}"/>
+                <a16:creationId xmlns:a16="http://schemas.microsoft.com/office/drawing/2014/main" xmlns="" id="{183CE2B7-1204-AF43-9826-9680A3AA36F4}"/>
               </a:ext>
             </a:extLst>
           </p:cNvPr>
@@ -4005,7 +4022,7 @@
           <p:cNvPr id="3" name="コンテンツ プレースホルダー 2">
             <a:extLst>
               <a:ext uri="{FF2B5EF4-FFF2-40B4-BE49-F238E27FC236}">
-                <a16:creationId xmlns:a16="http://schemas.microsoft.com/office/drawing/2014/main" id="{3B90C276-4EA2-9544-B666-08F5DD0E145D}"/>
+                <a16:creationId xmlns:a16="http://schemas.microsoft.com/office/drawing/2014/main" xmlns="" id="{3B90C276-4EA2-9544-B666-08F5DD0E145D}"/>
               </a:ext>
             </a:extLst>
           </p:cNvPr>
@@ -4077,7 +4094,7 @@
           <p:cNvPr id="4" name="スライド番号プレースホルダー 3">
             <a:extLst>
               <a:ext uri="{FF2B5EF4-FFF2-40B4-BE49-F238E27FC236}">
-                <a16:creationId xmlns:a16="http://schemas.microsoft.com/office/drawing/2014/main" id="{AD371C2E-1415-E347-BC88-CAF6E43C0482}"/>
+                <a16:creationId xmlns:a16="http://schemas.microsoft.com/office/drawing/2014/main" xmlns="" id="{AD371C2E-1415-E347-BC88-CAF6E43C0482}"/>
               </a:ext>
             </a:extLst>
           </p:cNvPr>
@@ -4113,6 +4130,13 @@
   <p:clrMapOvr>
     <a:masterClrMapping/>
   </p:clrMapOvr>
+  <p:timing>
+    <p:tnLst>
+      <p:par>
+        <p:cTn id="1" dur="indefinite" restart="never" nodeType="tmRoot"/>
+      </p:par>
+    </p:tnLst>
+  </p:timing>
 </p:sld>
 </file>
 
@@ -4138,7 +4162,7 @@
           <p:cNvPr id="2" name="タイトル 1">
             <a:extLst>
               <a:ext uri="{FF2B5EF4-FFF2-40B4-BE49-F238E27FC236}">
-                <a16:creationId xmlns:a16="http://schemas.microsoft.com/office/drawing/2014/main" id="{D0E81CFD-1AC2-B248-B74D-9DA4A6C40C27}"/>
+                <a16:creationId xmlns:a16="http://schemas.microsoft.com/office/drawing/2014/main" xmlns="" id="{D0E81CFD-1AC2-B248-B74D-9DA4A6C40C27}"/>
               </a:ext>
             </a:extLst>
           </p:cNvPr>
@@ -4167,7 +4191,7 @@
           <p:cNvPr id="3" name="コンテンツ プレースホルダー 2">
             <a:extLst>
               <a:ext uri="{FF2B5EF4-FFF2-40B4-BE49-F238E27FC236}">
-                <a16:creationId xmlns:a16="http://schemas.microsoft.com/office/drawing/2014/main" id="{D64727B5-C641-7F40-AC66-3FC8C911E2DA}"/>
+                <a16:creationId xmlns:a16="http://schemas.microsoft.com/office/drawing/2014/main" xmlns="" id="{D64727B5-C641-7F40-AC66-3FC8C911E2DA}"/>
               </a:ext>
             </a:extLst>
           </p:cNvPr>
@@ -4215,7 +4239,7 @@
           <p:cNvPr id="4" name="スライド番号プレースホルダー 3">
             <a:extLst>
               <a:ext uri="{FF2B5EF4-FFF2-40B4-BE49-F238E27FC236}">
-                <a16:creationId xmlns:a16="http://schemas.microsoft.com/office/drawing/2014/main" id="{05EC656B-9AFC-6840-8050-699ED8DCAFDA}"/>
+                <a16:creationId xmlns:a16="http://schemas.microsoft.com/office/drawing/2014/main" xmlns="" id="{05EC656B-9AFC-6840-8050-699ED8DCAFDA}"/>
               </a:ext>
             </a:extLst>
           </p:cNvPr>
@@ -4251,6 +4275,13 @@
   <p:clrMapOvr>
     <a:masterClrMapping/>
   </p:clrMapOvr>
+  <p:timing>
+    <p:tnLst>
+      <p:par>
+        <p:cTn id="1" dur="indefinite" restart="never" nodeType="tmRoot"/>
+      </p:par>
+    </p:tnLst>
+  </p:timing>
 </p:sld>
 </file>
 
@@ -4276,7 +4307,7 @@
           <p:cNvPr id="2" name="タイトル 1">
             <a:extLst>
               <a:ext uri="{FF2B5EF4-FFF2-40B4-BE49-F238E27FC236}">
-                <a16:creationId xmlns:a16="http://schemas.microsoft.com/office/drawing/2014/main" id="{9116C6C3-9758-BC44-9E4E-719873A4DA00}"/>
+                <a16:creationId xmlns:a16="http://schemas.microsoft.com/office/drawing/2014/main" xmlns="" id="{9116C6C3-9758-BC44-9E4E-719873A4DA00}"/>
               </a:ext>
             </a:extLst>
           </p:cNvPr>
@@ -4304,7 +4335,7 @@
           <p:cNvPr id="3" name="コンテンツ プレースホルダー 2">
             <a:extLst>
               <a:ext uri="{FF2B5EF4-FFF2-40B4-BE49-F238E27FC236}">
-                <a16:creationId xmlns:a16="http://schemas.microsoft.com/office/drawing/2014/main" id="{E60FCB63-AB7A-724A-BA36-0A840EA3DF90}"/>
+                <a16:creationId xmlns:a16="http://schemas.microsoft.com/office/drawing/2014/main" xmlns="" id="{E60FCB63-AB7A-724A-BA36-0A840EA3DF90}"/>
               </a:ext>
             </a:extLst>
           </p:cNvPr>
@@ -4363,7 +4394,7 @@
           <p:cNvPr id="4" name="スライド番号プレースホルダー 3">
             <a:extLst>
               <a:ext uri="{FF2B5EF4-FFF2-40B4-BE49-F238E27FC236}">
-                <a16:creationId xmlns:a16="http://schemas.microsoft.com/office/drawing/2014/main" id="{D0C37705-2B39-0148-9A0C-2253A5A1E1DD}"/>
+                <a16:creationId xmlns:a16="http://schemas.microsoft.com/office/drawing/2014/main" xmlns="" id="{D0C37705-2B39-0148-9A0C-2253A5A1E1DD}"/>
               </a:ext>
             </a:extLst>
           </p:cNvPr>
@@ -4399,6 +4430,13 @@
   <p:clrMapOvr>
     <a:masterClrMapping/>
   </p:clrMapOvr>
+  <p:timing>
+    <p:tnLst>
+      <p:par>
+        <p:cTn id="1" dur="indefinite" restart="never" nodeType="tmRoot"/>
+      </p:par>
+    </p:tnLst>
+  </p:timing>
 </p:sld>
 </file>
 
@@ -4424,7 +4462,7 @@
           <p:cNvPr id="2" name="タイトル 1">
             <a:extLst>
               <a:ext uri="{FF2B5EF4-FFF2-40B4-BE49-F238E27FC236}">
-                <a16:creationId xmlns:a16="http://schemas.microsoft.com/office/drawing/2014/main" id="{3CF96D29-1F4B-994D-8698-CF63AAE4A014}"/>
+                <a16:creationId xmlns:a16="http://schemas.microsoft.com/office/drawing/2014/main" xmlns="" id="{3CF96D29-1F4B-994D-8698-CF63AAE4A014}"/>
               </a:ext>
             </a:extLst>
           </p:cNvPr>
@@ -4452,7 +4490,7 @@
           <p:cNvPr id="3" name="コンテンツ プレースホルダー 2">
             <a:extLst>
               <a:ext uri="{FF2B5EF4-FFF2-40B4-BE49-F238E27FC236}">
-                <a16:creationId xmlns:a16="http://schemas.microsoft.com/office/drawing/2014/main" id="{89E3CEDF-382D-A143-916B-23CAA460A336}"/>
+                <a16:creationId xmlns:a16="http://schemas.microsoft.com/office/drawing/2014/main" xmlns="" id="{89E3CEDF-382D-A143-916B-23CAA460A336}"/>
               </a:ext>
             </a:extLst>
           </p:cNvPr>
@@ -4512,7 +4550,7 @@
           <p:cNvPr id="4" name="スライド番号プレースホルダー 3">
             <a:extLst>
               <a:ext uri="{FF2B5EF4-FFF2-40B4-BE49-F238E27FC236}">
-                <a16:creationId xmlns:a16="http://schemas.microsoft.com/office/drawing/2014/main" id="{7A8C88B8-9BFC-C744-9E2C-D38846414C08}"/>
+                <a16:creationId xmlns:a16="http://schemas.microsoft.com/office/drawing/2014/main" xmlns="" id="{7A8C88B8-9BFC-C744-9E2C-D38846414C08}"/>
               </a:ext>
             </a:extLst>
           </p:cNvPr>
@@ -4548,6 +4586,13 @@
   <p:clrMapOvr>
     <a:masterClrMapping/>
   </p:clrMapOvr>
+  <p:timing>
+    <p:tnLst>
+      <p:par>
+        <p:cTn id="1" dur="indefinite" restart="never" nodeType="tmRoot"/>
+      </p:par>
+    </p:tnLst>
+  </p:timing>
 </p:sld>
 </file>
 
@@ -4570,13 +4615,7 @@
       </p:grpSpPr>
       <p:sp>
         <p:nvSpPr>
-          <p:cNvPr id="2" name="タイトル 1">
-            <a:extLst>
-              <a:ext uri="{FF2B5EF4-FFF2-40B4-BE49-F238E27FC236}">
-                <a16:creationId xmlns:a16="http://schemas.microsoft.com/office/drawing/2014/main" id="{A06591DD-542F-1445-A999-F1F1F4303074}"/>
-              </a:ext>
-            </a:extLst>
-          </p:cNvPr>
+          <p:cNvPr id="2" name="タイトル 1"/>
           <p:cNvSpPr>
             <a:spLocks noGrp="1"/>
           </p:cNvSpPr>
@@ -4590,21 +4629,20 @@
           <a:lstStyle/>
           <a:p>
             <a:r>
-              <a:rPr kumimoji="1" lang="ja-JP" altLang="en-US"/>
-              <a:t>課題</a:t>
-            </a:r>
-          </a:p>
-        </p:txBody>
-      </p:sp>
-      <p:sp>
-        <p:nvSpPr>
-          <p:cNvPr id="3" name="コンテンツ プレースホルダー 2">
-            <a:extLst>
-              <a:ext uri="{FF2B5EF4-FFF2-40B4-BE49-F238E27FC236}">
-                <a16:creationId xmlns:a16="http://schemas.microsoft.com/office/drawing/2014/main" id="{88D50BF8-DA77-D74B-9FF1-F25787E97824}"/>
-              </a:ext>
-            </a:extLst>
-          </p:cNvPr>
+              <a:rPr kumimoji="1" lang="en-US" altLang="ja-JP" dirty="0" smtClean="0"/>
+              <a:t>LTI</a:t>
+            </a:r>
+            <a:r>
+              <a:rPr kumimoji="1" lang="ja-JP" altLang="en-US" dirty="0" smtClean="0"/>
+              <a:t>の進捗</a:t>
+            </a:r>
+            <a:endParaRPr kumimoji="1" lang="ja-JP" altLang="en-US" dirty="0"/>
+          </a:p>
+        </p:txBody>
+      </p:sp>
+      <p:sp>
+        <p:nvSpPr>
+          <p:cNvPr id="3" name="コンテンツ プレースホルダー 2"/>
           <p:cNvSpPr>
             <a:spLocks noGrp="1"/>
           </p:cNvSpPr>
@@ -4617,58 +4655,50 @@
           <a:bodyPr/>
           <a:lstStyle/>
           <a:p>
-            <a:r>
-              <a:rPr kumimoji="1" lang="ja-JP" altLang="en-US"/>
-              <a:t>シミュレータ</a:t>
-            </a:r>
-            <a:endParaRPr kumimoji="1" lang="en-US" altLang="ja-JP" dirty="0"/>
-          </a:p>
-          <a:p>
-            <a:pPr lvl="1"/>
-            <a:r>
-              <a:rPr kumimoji="1" lang="ja-JP" altLang="en-US"/>
-              <a:t>シミュレータの完成</a:t>
-            </a:r>
-            <a:endParaRPr kumimoji="1" lang="en-US" altLang="ja-JP" dirty="0"/>
-          </a:p>
-          <a:p>
+            <a:pPr>
+              <a:spcBef>
+                <a:spcPts val="0"/>
+              </a:spcBef>
+            </a:pPr>
+            <a:r>
+              <a:rPr lang="ja-JP" altLang="en-US" dirty="0" smtClean="0"/>
+              <a:t>エラーの原因を特定</a:t>
+            </a:r>
             <a:endParaRPr lang="en-US" altLang="ja-JP" dirty="0"/>
           </a:p>
           <a:p>
-            <a:r>
-              <a:rPr kumimoji="1" lang="en-US" altLang="ja-JP" dirty="0"/>
-              <a:t>LTI</a:t>
-            </a:r>
-          </a:p>
-          <a:p>
-            <a:endParaRPr lang="en-US" altLang="ja-JP" dirty="0"/>
-          </a:p>
-          <a:p>
-            <a:r>
-              <a:rPr kumimoji="1" lang="ja-JP" altLang="en-US"/>
-              <a:t>全体</a:t>
-            </a:r>
-            <a:endParaRPr kumimoji="1" lang="en-US" altLang="ja-JP" dirty="0"/>
-          </a:p>
-          <a:p>
-            <a:pPr lvl="1"/>
-            <a:r>
-              <a:rPr lang="ja-JP" altLang="en-US"/>
-              <a:t>卒論の完成</a:t>
-            </a:r>
-            <a:endParaRPr kumimoji="1" lang="en-US" altLang="ja-JP" dirty="0"/>
-          </a:p>
-        </p:txBody>
-      </p:sp>
-      <p:sp>
-        <p:nvSpPr>
-          <p:cNvPr id="4" name="スライド番号プレースホルダー 3">
-            <a:extLst>
-              <a:ext uri="{FF2B5EF4-FFF2-40B4-BE49-F238E27FC236}">
-                <a16:creationId xmlns:a16="http://schemas.microsoft.com/office/drawing/2014/main" id="{BF6D5870-6088-254F-954A-E6E611291B34}"/>
-              </a:ext>
-            </a:extLst>
-          </p:cNvPr>
+            <a:pPr lvl="1">
+              <a:spcBef>
+                <a:spcPts val="0"/>
+              </a:spcBef>
+            </a:pPr>
+            <a:r>
+              <a:rPr lang="en-US" altLang="ja-JP" dirty="0" err="1" smtClean="0"/>
+              <a:t>Oauth_body_hash</a:t>
+            </a:r>
+            <a:r>
+              <a:rPr lang="ja-JP" altLang="en-US" dirty="0" smtClean="0"/>
+              <a:t>が間違っていた。</a:t>
+            </a:r>
+            <a:endParaRPr lang="en-US" altLang="ja-JP" dirty="0" smtClean="0"/>
+          </a:p>
+          <a:p>
+            <a:pPr lvl="2">
+              <a:spcBef>
+                <a:spcPts val="0"/>
+              </a:spcBef>
+            </a:pPr>
+            <a:r>
+              <a:rPr lang="ja-JP" altLang="en-US" dirty="0" smtClean="0"/>
+              <a:t>送られて来た情報を書き換えた上で生成するように変更したところ無事に通過</a:t>
+            </a:r>
+            <a:endParaRPr lang="en-US" altLang="ja-JP" dirty="0" smtClean="0"/>
+          </a:p>
+        </p:txBody>
+      </p:sp>
+      <p:sp>
+        <p:nvSpPr>
+          <p:cNvPr id="4" name="スライド番号プレースホルダー 3"/>
           <p:cNvSpPr>
             <a:spLocks noGrp="1"/>
           </p:cNvSpPr>
@@ -4686,6 +4716,420 @@
               <a:rPr lang="ja-JP" altLang="en-US" smtClean="0"/>
               <a:pPr algn="ctr"/>
               <a:t>6</a:t>
+            </a:fld>
+            <a:endParaRPr lang="ja-JP" altLang="en-US" dirty="0"/>
+          </a:p>
+        </p:txBody>
+      </p:sp>
+    </p:spTree>
+    <p:extLst>
+      <p:ext uri="{BB962C8B-B14F-4D97-AF65-F5344CB8AC3E}">
+        <p14:creationId xmlns:p14="http://schemas.microsoft.com/office/powerpoint/2010/main" val="755848573"/>
+      </p:ext>
+    </p:extLst>
+  </p:cSld>
+  <p:clrMapOvr>
+    <a:masterClrMapping/>
+  </p:clrMapOvr>
+  <p:timing>
+    <p:tnLst>
+      <p:par>
+        <p:cTn id="1" dur="indefinite" restart="never" nodeType="tmRoot"/>
+      </p:par>
+    </p:tnLst>
+  </p:timing>
+</p:sld>
+</file>
+
+<file path=ppt/slides/slide7.xml><?xml version="1.0" encoding="utf-8"?>
+<p:sld xmlns:a="http://schemas.openxmlformats.org/drawingml/2006/main" xmlns:r="http://schemas.openxmlformats.org/officeDocument/2006/relationships" xmlns:p="http://schemas.openxmlformats.org/presentationml/2006/main">
+  <p:cSld>
+    <p:spTree>
+      <p:nvGrpSpPr>
+        <p:cNvPr id="1" name=""/>
+        <p:cNvGrpSpPr/>
+        <p:nvPr/>
+      </p:nvGrpSpPr>
+      <p:grpSpPr>
+        <a:xfrm>
+          <a:off x="0" y="0"/>
+          <a:ext cx="0" cy="0"/>
+          <a:chOff x="0" y="0"/>
+          <a:chExt cx="0" cy="0"/>
+        </a:xfrm>
+      </p:grpSpPr>
+      <p:sp>
+        <p:nvSpPr>
+          <p:cNvPr id="2" name="タイトル 1"/>
+          <p:cNvSpPr>
+            <a:spLocks noGrp="1"/>
+          </p:cNvSpPr>
+          <p:nvPr>
+            <p:ph type="title"/>
+          </p:nvPr>
+        </p:nvSpPr>
+        <p:spPr/>
+        <p:txBody>
+          <a:bodyPr/>
+          <a:lstStyle/>
+          <a:p>
+            <a:r>
+              <a:rPr lang="ja-JP" altLang="en-US" dirty="0" smtClean="0"/>
+              <a:t>成績送信</a:t>
+            </a:r>
+            <a:endParaRPr kumimoji="1" lang="ja-JP" altLang="en-US" dirty="0"/>
+          </a:p>
+        </p:txBody>
+      </p:sp>
+      <p:pic>
+        <p:nvPicPr>
+          <p:cNvPr id="5" name="コンテンツ プレースホルダー 4"/>
+          <p:cNvPicPr>
+            <a:picLocks noGrp="1" noChangeAspect="1"/>
+          </p:cNvPicPr>
+          <p:nvPr>
+            <p:ph idx="1"/>
+          </p:nvPr>
+        </p:nvPicPr>
+        <p:blipFill>
+          <a:blip r:embed="rId2">
+            <a:extLst>
+              <a:ext uri="{28A0092B-C50C-407E-A947-70E740481C1C}">
+                <a14:useLocalDpi xmlns:a14="http://schemas.microsoft.com/office/drawing/2010/main" val="0"/>
+              </a:ext>
+            </a:extLst>
+          </a:blip>
+          <a:stretch>
+            <a:fillRect/>
+          </a:stretch>
+        </p:blipFill>
+        <p:spPr>
+          <a:xfrm>
+            <a:off x="457200" y="1556793"/>
+            <a:ext cx="8229600" cy="4027720"/>
+          </a:xfrm>
+        </p:spPr>
+      </p:pic>
+      <p:sp>
+        <p:nvSpPr>
+          <p:cNvPr id="4" name="スライド番号プレースホルダー 3"/>
+          <p:cNvSpPr>
+            <a:spLocks noGrp="1"/>
+          </p:cNvSpPr>
+          <p:nvPr>
+            <p:ph type="sldNum" sz="quarter" idx="12"/>
+          </p:nvPr>
+        </p:nvSpPr>
+        <p:spPr/>
+        <p:txBody>
+          <a:bodyPr/>
+          <a:lstStyle/>
+          <a:p>
+            <a:pPr algn="ctr"/>
+            <a:fld id="{CA23F248-F353-4F36-A746-B1953A38AE2D}" type="slidenum">
+              <a:rPr lang="ja-JP" altLang="en-US" smtClean="0"/>
+              <a:pPr algn="ctr"/>
+              <a:t>7</a:t>
+            </a:fld>
+            <a:endParaRPr lang="ja-JP" altLang="en-US" dirty="0"/>
+          </a:p>
+        </p:txBody>
+      </p:sp>
+    </p:spTree>
+    <p:extLst>
+      <p:ext uri="{BB962C8B-B14F-4D97-AF65-F5344CB8AC3E}">
+        <p14:creationId xmlns:p14="http://schemas.microsoft.com/office/powerpoint/2010/main" val="1185952360"/>
+      </p:ext>
+    </p:extLst>
+  </p:cSld>
+  <p:clrMapOvr>
+    <a:masterClrMapping/>
+  </p:clrMapOvr>
+  <p:timing>
+    <p:tnLst>
+      <p:par>
+        <p:cTn id="1" dur="indefinite" restart="never" nodeType="tmRoot"/>
+      </p:par>
+    </p:tnLst>
+  </p:timing>
+</p:sld>
+</file>
+
+<file path=ppt/slides/slide8.xml><?xml version="1.0" encoding="utf-8"?>
+<p:sld xmlns:a="http://schemas.openxmlformats.org/drawingml/2006/main" xmlns:r="http://schemas.openxmlformats.org/officeDocument/2006/relationships" xmlns:p="http://schemas.openxmlformats.org/presentationml/2006/main">
+  <p:cSld>
+    <p:spTree>
+      <p:nvGrpSpPr>
+        <p:cNvPr id="1" name=""/>
+        <p:cNvGrpSpPr/>
+        <p:nvPr/>
+      </p:nvGrpSpPr>
+      <p:grpSpPr>
+        <a:xfrm>
+          <a:off x="0" y="0"/>
+          <a:ext cx="0" cy="0"/>
+          <a:chOff x="0" y="0"/>
+          <a:chExt cx="0" cy="0"/>
+        </a:xfrm>
+      </p:grpSpPr>
+      <p:sp>
+        <p:nvSpPr>
+          <p:cNvPr id="2" name="タイトル 1"/>
+          <p:cNvSpPr>
+            <a:spLocks noGrp="1"/>
+          </p:cNvSpPr>
+          <p:nvPr>
+            <p:ph type="title"/>
+          </p:nvPr>
+        </p:nvSpPr>
+        <p:spPr/>
+        <p:txBody>
+          <a:bodyPr/>
+          <a:lstStyle/>
+          <a:p>
+            <a:r>
+              <a:rPr kumimoji="1" lang="en-US" altLang="ja-JP" dirty="0" smtClean="0"/>
+              <a:t>Moodle</a:t>
+            </a:r>
+            <a:r>
+              <a:rPr kumimoji="1" lang="ja-JP" altLang="en-US" dirty="0" smtClean="0"/>
+              <a:t>での反映</a:t>
+            </a:r>
+            <a:endParaRPr kumimoji="1" lang="ja-JP" altLang="en-US" dirty="0"/>
+          </a:p>
+        </p:txBody>
+      </p:sp>
+      <p:pic>
+        <p:nvPicPr>
+          <p:cNvPr id="5" name="コンテンツ プレースホルダー 4"/>
+          <p:cNvPicPr>
+            <a:picLocks noGrp="1" noChangeAspect="1"/>
+          </p:cNvPicPr>
+          <p:nvPr>
+            <p:ph idx="1"/>
+          </p:nvPr>
+        </p:nvPicPr>
+        <p:blipFill>
+          <a:blip r:embed="rId2">
+            <a:extLst>
+              <a:ext uri="{28A0092B-C50C-407E-A947-70E740481C1C}">
+                <a14:useLocalDpi xmlns:a14="http://schemas.microsoft.com/office/drawing/2010/main" val="0"/>
+              </a:ext>
+            </a:extLst>
+          </a:blip>
+          <a:stretch>
+            <a:fillRect/>
+          </a:stretch>
+        </p:blipFill>
+        <p:spPr>
+          <a:xfrm>
+            <a:off x="457200" y="1875806"/>
+            <a:ext cx="8229600" cy="3974750"/>
+          </a:xfrm>
+        </p:spPr>
+      </p:pic>
+      <p:sp>
+        <p:nvSpPr>
+          <p:cNvPr id="4" name="スライド番号プレースホルダー 3"/>
+          <p:cNvSpPr>
+            <a:spLocks noGrp="1"/>
+          </p:cNvSpPr>
+          <p:nvPr>
+            <p:ph type="sldNum" sz="quarter" idx="12"/>
+          </p:nvPr>
+        </p:nvSpPr>
+        <p:spPr/>
+        <p:txBody>
+          <a:bodyPr/>
+          <a:lstStyle/>
+          <a:p>
+            <a:pPr algn="ctr"/>
+            <a:fld id="{CA23F248-F353-4F36-A746-B1953A38AE2D}" type="slidenum">
+              <a:rPr lang="ja-JP" altLang="en-US" smtClean="0"/>
+              <a:pPr algn="ctr"/>
+              <a:t>8</a:t>
+            </a:fld>
+            <a:endParaRPr lang="ja-JP" altLang="en-US" dirty="0"/>
+          </a:p>
+        </p:txBody>
+      </p:sp>
+    </p:spTree>
+    <p:extLst>
+      <p:ext uri="{BB962C8B-B14F-4D97-AF65-F5344CB8AC3E}">
+        <p14:creationId xmlns:p14="http://schemas.microsoft.com/office/powerpoint/2010/main" val="1155691227"/>
+      </p:ext>
+    </p:extLst>
+  </p:cSld>
+  <p:clrMapOvr>
+    <a:masterClrMapping/>
+  </p:clrMapOvr>
+  <p:timing>
+    <p:tnLst>
+      <p:par>
+        <p:cTn id="1" dur="indefinite" restart="never" nodeType="tmRoot"/>
+      </p:par>
+    </p:tnLst>
+  </p:timing>
+</p:sld>
+</file>
+
+<file path=ppt/slides/slide9.xml><?xml version="1.0" encoding="utf-8"?>
+<p:sld xmlns:a="http://schemas.openxmlformats.org/drawingml/2006/main" xmlns:r="http://schemas.openxmlformats.org/officeDocument/2006/relationships" xmlns:p="http://schemas.openxmlformats.org/presentationml/2006/main">
+  <p:cSld>
+    <p:spTree>
+      <p:nvGrpSpPr>
+        <p:cNvPr id="1" name=""/>
+        <p:cNvGrpSpPr/>
+        <p:nvPr/>
+      </p:nvGrpSpPr>
+      <p:grpSpPr>
+        <a:xfrm>
+          <a:off x="0" y="0"/>
+          <a:ext cx="0" cy="0"/>
+          <a:chOff x="0" y="0"/>
+          <a:chExt cx="0" cy="0"/>
+        </a:xfrm>
+      </p:grpSpPr>
+      <p:sp>
+        <p:nvSpPr>
+          <p:cNvPr id="2" name="タイトル 1">
+            <a:extLst>
+              <a:ext uri="{FF2B5EF4-FFF2-40B4-BE49-F238E27FC236}">
+                <a16:creationId xmlns:a16="http://schemas.microsoft.com/office/drawing/2014/main" xmlns="" id="{A06591DD-542F-1445-A999-F1F1F4303074}"/>
+              </a:ext>
+            </a:extLst>
+          </p:cNvPr>
+          <p:cNvSpPr>
+            <a:spLocks noGrp="1"/>
+          </p:cNvSpPr>
+          <p:nvPr>
+            <p:ph type="title"/>
+          </p:nvPr>
+        </p:nvSpPr>
+        <p:spPr/>
+        <p:txBody>
+          <a:bodyPr/>
+          <a:lstStyle/>
+          <a:p>
+            <a:r>
+              <a:rPr kumimoji="1" lang="ja-JP" altLang="en-US"/>
+              <a:t>課題</a:t>
+            </a:r>
+          </a:p>
+        </p:txBody>
+      </p:sp>
+      <p:sp>
+        <p:nvSpPr>
+          <p:cNvPr id="3" name="コンテンツ プレースホルダー 2">
+            <a:extLst>
+              <a:ext uri="{FF2B5EF4-FFF2-40B4-BE49-F238E27FC236}">
+                <a16:creationId xmlns:a16="http://schemas.microsoft.com/office/drawing/2014/main" xmlns="" id="{88D50BF8-DA77-D74B-9FF1-F25787E97824}"/>
+              </a:ext>
+            </a:extLst>
+          </p:cNvPr>
+          <p:cNvSpPr>
+            <a:spLocks noGrp="1"/>
+          </p:cNvSpPr>
+          <p:nvPr>
+            <p:ph idx="1"/>
+          </p:nvPr>
+        </p:nvSpPr>
+        <p:spPr/>
+        <p:txBody>
+          <a:bodyPr>
+            <a:normAutofit fontScale="92500" lnSpcReduction="20000"/>
+          </a:bodyPr>
+          <a:lstStyle/>
+          <a:p>
+            <a:r>
+              <a:rPr kumimoji="1" lang="ja-JP" altLang="en-US" dirty="0"/>
+              <a:t>シミュレータ</a:t>
+            </a:r>
+            <a:endParaRPr kumimoji="1" lang="en-US" altLang="ja-JP" dirty="0"/>
+          </a:p>
+          <a:p>
+            <a:pPr lvl="1"/>
+            <a:r>
+              <a:rPr kumimoji="1" lang="ja-JP" altLang="en-US" dirty="0"/>
+              <a:t>シミュレータの完成</a:t>
+            </a:r>
+            <a:endParaRPr kumimoji="1" lang="en-US" altLang="ja-JP" dirty="0"/>
+          </a:p>
+          <a:p>
+            <a:endParaRPr lang="en-US" altLang="ja-JP" dirty="0"/>
+          </a:p>
+          <a:p>
+            <a:r>
+              <a:rPr kumimoji="1" lang="en-US" altLang="ja-JP" dirty="0" smtClean="0"/>
+              <a:t>LTI</a:t>
+            </a:r>
+          </a:p>
+          <a:p>
+            <a:pPr lvl="1"/>
+            <a:r>
+              <a:rPr lang="ja-JP" altLang="en-US" dirty="0" smtClean="0"/>
+              <a:t>沼田の方に組み込んで、問題解答から成績反映の流れを作る</a:t>
+            </a:r>
+            <a:endParaRPr lang="en-US" altLang="ja-JP" dirty="0" smtClean="0"/>
+          </a:p>
+          <a:p>
+            <a:pPr lvl="1"/>
+            <a:r>
+              <a:rPr kumimoji="1" lang="en-US" altLang="ja-JP" dirty="0" smtClean="0"/>
+              <a:t>Canvas</a:t>
+            </a:r>
+            <a:r>
+              <a:rPr kumimoji="1" lang="ja-JP" altLang="en-US" dirty="0" smtClean="0"/>
+              <a:t>でも成績を反映させる</a:t>
+            </a:r>
+            <a:endParaRPr kumimoji="1" lang="en-US" altLang="ja-JP" dirty="0"/>
+          </a:p>
+          <a:p>
+            <a:endParaRPr lang="en-US" altLang="ja-JP" dirty="0"/>
+          </a:p>
+          <a:p>
+            <a:r>
+              <a:rPr kumimoji="1" lang="ja-JP" altLang="en-US" dirty="0"/>
+              <a:t>全体</a:t>
+            </a:r>
+            <a:endParaRPr kumimoji="1" lang="en-US" altLang="ja-JP" dirty="0"/>
+          </a:p>
+          <a:p>
+            <a:pPr lvl="1"/>
+            <a:r>
+              <a:rPr lang="ja-JP" altLang="en-US" dirty="0"/>
+              <a:t>卒論の完成</a:t>
+            </a:r>
+            <a:endParaRPr kumimoji="1" lang="en-US" altLang="ja-JP" dirty="0"/>
+          </a:p>
+        </p:txBody>
+      </p:sp>
+      <p:sp>
+        <p:nvSpPr>
+          <p:cNvPr id="4" name="スライド番号プレースホルダー 3">
+            <a:extLst>
+              <a:ext uri="{FF2B5EF4-FFF2-40B4-BE49-F238E27FC236}">
+                <a16:creationId xmlns:a16="http://schemas.microsoft.com/office/drawing/2014/main" xmlns="" id="{BF6D5870-6088-254F-954A-E6E611291B34}"/>
+              </a:ext>
+            </a:extLst>
+          </p:cNvPr>
+          <p:cNvSpPr>
+            <a:spLocks noGrp="1"/>
+          </p:cNvSpPr>
+          <p:nvPr>
+            <p:ph type="sldNum" sz="quarter" idx="12"/>
+          </p:nvPr>
+        </p:nvSpPr>
+        <p:spPr/>
+        <p:txBody>
+          <a:bodyPr/>
+          <a:lstStyle/>
+          <a:p>
+            <a:pPr algn="ctr"/>
+            <a:fld id="{CA23F248-F353-4F36-A746-B1953A38AE2D}" type="slidenum">
+              <a:rPr lang="ja-JP" altLang="en-US" smtClean="0"/>
+              <a:pPr algn="ctr"/>
+              <a:t>9</a:t>
             </a:fld>
             <a:endParaRPr lang="ja-JP" altLang="en-US" dirty="0"/>
           </a:p>
@@ -4701,6 +5145,13 @@
   <p:clrMapOvr>
     <a:masterClrMapping/>
   </p:clrMapOvr>
+  <p:timing>
+    <p:tnLst>
+      <p:par>
+        <p:cTn id="1" dur="indefinite" restart="never" nodeType="tmRoot"/>
+      </p:par>
+    </p:tnLst>
+  </p:timing>
 </p:sld>
 </file>
 
